--- a/Modules_PPT.pptx
+++ b/Modules_PPT.pptx
@@ -9,6 +9,12 @@
     <p:sldId id="257" r:id="rId3"/>
     <p:sldId id="258" r:id="rId4"/>
     <p:sldId id="259" r:id="rId5"/>
+    <p:sldId id="260" r:id="rId6"/>
+    <p:sldId id="261" r:id="rId7"/>
+    <p:sldId id="262" r:id="rId8"/>
+    <p:sldId id="263" r:id="rId9"/>
+    <p:sldId id="264" r:id="rId10"/>
+    <p:sldId id="265" r:id="rId11"/>
   </p:sldIdLst>
   <p:sldSz cx="12192000" cy="6858000"/>
   <p:notesSz cx="6858000" cy="9144000"/>
@@ -3411,6 +3417,206 @@
 </p:sld>
 </file>
 
+<file path=ppt/slides/slide10.xml><?xml version="1.0" encoding="utf-8"?>
+<p:sld xmlns:a="http://schemas.openxmlformats.org/drawingml/2006/main" xmlns:r="http://schemas.openxmlformats.org/officeDocument/2006/relationships" xmlns:p="http://schemas.openxmlformats.org/presentationml/2006/main">
+  <p:cSld>
+    <p:spTree>
+      <p:nvGrpSpPr>
+        <p:cNvPr id="1" name=""/>
+        <p:cNvGrpSpPr/>
+        <p:nvPr/>
+      </p:nvGrpSpPr>
+      <p:grpSpPr>
+        <a:xfrm>
+          <a:off x="0" y="0"/>
+          <a:ext cx="0" cy="0"/>
+          <a:chOff x="0" y="0"/>
+          <a:chExt cx="0" cy="0"/>
+        </a:xfrm>
+      </p:grpSpPr>
+      <p:sp>
+        <p:nvSpPr>
+          <p:cNvPr id="2" name="Title 1">
+            <a:extLst>
+              <a:ext uri="{FF2B5EF4-FFF2-40B4-BE49-F238E27FC236}">
+                <a16:creationId xmlns:a16="http://schemas.microsoft.com/office/drawing/2014/main" id="{D053AA97-875A-944B-87FD-300AA17878D6}"/>
+              </a:ext>
+            </a:extLst>
+          </p:cNvPr>
+          <p:cNvSpPr>
+            <a:spLocks noGrp="1"/>
+          </p:cNvSpPr>
+          <p:nvPr>
+            <p:ph type="title"/>
+          </p:nvPr>
+        </p:nvSpPr>
+        <p:spPr/>
+        <p:txBody>
+          <a:bodyPr/>
+          <a:lstStyle/>
+          <a:p>
+            <a:r>
+              <a:rPr lang="en-SI" dirty="0"/>
+              <a:t>Apache Spark 3.x</a:t>
+            </a:r>
+          </a:p>
+        </p:txBody>
+      </p:sp>
+      <p:sp>
+        <p:nvSpPr>
+          <p:cNvPr id="3" name="Content Placeholder 2">
+            <a:extLst>
+              <a:ext uri="{FF2B5EF4-FFF2-40B4-BE49-F238E27FC236}">
+                <a16:creationId xmlns:a16="http://schemas.microsoft.com/office/drawing/2014/main" id="{6384A8C1-7734-F14B-967B-88E764CC879F}"/>
+              </a:ext>
+            </a:extLst>
+          </p:cNvPr>
+          <p:cNvSpPr>
+            <a:spLocks noGrp="1"/>
+          </p:cNvSpPr>
+          <p:nvPr>
+            <p:ph idx="1"/>
+          </p:nvPr>
+        </p:nvSpPr>
+        <p:spPr/>
+        <p:txBody>
+          <a:bodyPr>
+            <a:normAutofit fontScale="85000" lnSpcReduction="20000"/>
+          </a:bodyPr>
+          <a:lstStyle/>
+          <a:p>
+            <a:r>
+              <a:rPr lang="en-GB" dirty="0"/>
+              <a:t>Latest release – v3.1.1. (March 2, 2021) </a:t>
+            </a:r>
+          </a:p>
+          <a:p>
+            <a:r>
+              <a:rPr lang="en-GB" dirty="0"/>
+              <a:t>Improvements over Spark 2 (v2.4.1) </a:t>
+            </a:r>
+            <a:endParaRPr lang="en-GB" dirty="0">
+              <a:effectLst/>
+            </a:endParaRPr>
+          </a:p>
+          <a:p>
+            <a:pPr marL="0" indent="0">
+              <a:buNone/>
+            </a:pPr>
+            <a:r>
+              <a:rPr lang="en-GB" dirty="0"/>
+              <a:t>	▶  Python 2 deprecated </a:t>
+            </a:r>
+            <a:endParaRPr lang="en-GB" dirty="0">
+              <a:effectLst/>
+            </a:endParaRPr>
+          </a:p>
+          <a:p>
+            <a:pPr marL="0" indent="0">
+              <a:buNone/>
+            </a:pPr>
+            <a:r>
+              <a:rPr lang="en-GB" dirty="0"/>
+              <a:t>	▶  Adaptive execution of Spark SQL (merging intermediate results among workers) </a:t>
+            </a:r>
+            <a:endParaRPr lang="en-GB" dirty="0">
+              <a:effectLst/>
+            </a:endParaRPr>
+          </a:p>
+          <a:p>
+            <a:pPr marL="0" indent="0">
+              <a:buNone/>
+            </a:pPr>
+            <a:r>
+              <a:rPr lang="en-GB" dirty="0"/>
+              <a:t>	▶  Dynamic partition pruning </a:t>
+            </a:r>
+            <a:endParaRPr lang="en-GB" dirty="0">
+              <a:effectLst/>
+            </a:endParaRPr>
+          </a:p>
+          <a:p>
+            <a:pPr marL="0" indent="0">
+              <a:buNone/>
+            </a:pPr>
+            <a:r>
+              <a:rPr lang="en-GB" dirty="0"/>
+              <a:t>	▶  Support for deep learning (GPU support for Nvidia, AMD, Intel) </a:t>
+            </a:r>
+            <a:endParaRPr lang="en-GB" dirty="0">
+              <a:effectLst/>
+            </a:endParaRPr>
+          </a:p>
+          <a:p>
+            <a:pPr marL="0" indent="0">
+              <a:buNone/>
+            </a:pPr>
+            <a:r>
+              <a:rPr lang="en-GB" dirty="0"/>
+              <a:t>	▶  Better Kubernetes integration </a:t>
+            </a:r>
+            <a:endParaRPr lang="en-GB" dirty="0">
+              <a:effectLst/>
+            </a:endParaRPr>
+          </a:p>
+          <a:p>
+            <a:pPr marL="0" indent="0">
+              <a:buNone/>
+            </a:pPr>
+            <a:r>
+              <a:rPr lang="en-GB" dirty="0"/>
+              <a:t>	▶  Graph features (Morpheus as extension of Cypher, neo4j support) </a:t>
+            </a:r>
+            <a:endParaRPr lang="en-GB" dirty="0">
+              <a:effectLst/>
+            </a:endParaRPr>
+          </a:p>
+          <a:p>
+            <a:pPr marL="0" indent="0">
+              <a:buNone/>
+            </a:pPr>
+            <a:r>
+              <a:rPr lang="en-GB" dirty="0"/>
+              <a:t>	▶  ACID transactions (for Delta Lake storage) </a:t>
+            </a:r>
+            <a:endParaRPr lang="en-GB" dirty="0">
+              <a:effectLst/>
+            </a:endParaRPr>
+          </a:p>
+          <a:p>
+            <a:pPr marL="0" indent="0">
+              <a:buNone/>
+            </a:pPr>
+            <a:r>
+              <a:rPr lang="en-GB"/>
+              <a:t>	▶  </a:t>
+            </a:r>
+            <a:r>
+              <a:rPr lang="en-GB" dirty="0"/>
+              <a:t>Apache Arrow data format integration (columnar format for analytics) </a:t>
+            </a:r>
+            <a:endParaRPr lang="en-GB" dirty="0">
+              <a:effectLst/>
+            </a:endParaRPr>
+          </a:p>
+          <a:p>
+            <a:endParaRPr lang="en-SI" dirty="0"/>
+          </a:p>
+        </p:txBody>
+      </p:sp>
+    </p:spTree>
+    <p:extLst>
+      <p:ext uri="{BB962C8B-B14F-4D97-AF65-F5344CB8AC3E}">
+        <p14:creationId xmlns:p14="http://schemas.microsoft.com/office/powerpoint/2010/main" val="1774038027"/>
+      </p:ext>
+    </p:extLst>
+  </p:cSld>
+  <p:clrMapOvr>
+    <a:masterClrMapping/>
+  </p:clrMapOvr>
+</p:sld>
+</file>
+
 <file path=ppt/slides/slide2.xml><?xml version="1.0" encoding="utf-8"?>
 <p:sld xmlns:a="http://schemas.openxmlformats.org/drawingml/2006/main" xmlns:r="http://schemas.openxmlformats.org/officeDocument/2006/relationships" xmlns:p="http://schemas.openxmlformats.org/presentationml/2006/main">
   <p:cSld>
@@ -3892,6 +4098,800 @@
     <p:extLst>
       <p:ext uri="{BB962C8B-B14F-4D97-AF65-F5344CB8AC3E}">
         <p14:creationId xmlns:p14="http://schemas.microsoft.com/office/powerpoint/2010/main" val="1597659316"/>
+      </p:ext>
+    </p:extLst>
+  </p:cSld>
+  <p:clrMapOvr>
+    <a:masterClrMapping/>
+  </p:clrMapOvr>
+</p:sld>
+</file>
+
+<file path=ppt/slides/slide5.xml><?xml version="1.0" encoding="utf-8"?>
+<p:sld xmlns:a="http://schemas.openxmlformats.org/drawingml/2006/main" xmlns:r="http://schemas.openxmlformats.org/officeDocument/2006/relationships" xmlns:p="http://schemas.openxmlformats.org/presentationml/2006/main">
+  <p:cSld>
+    <p:spTree>
+      <p:nvGrpSpPr>
+        <p:cNvPr id="1" name=""/>
+        <p:cNvGrpSpPr/>
+        <p:nvPr/>
+      </p:nvGrpSpPr>
+      <p:grpSpPr>
+        <a:xfrm>
+          <a:off x="0" y="0"/>
+          <a:ext cx="0" cy="0"/>
+          <a:chOff x="0" y="0"/>
+          <a:chExt cx="0" cy="0"/>
+        </a:xfrm>
+      </p:grpSpPr>
+      <p:sp>
+        <p:nvSpPr>
+          <p:cNvPr id="2" name="Title 1">
+            <a:extLst>
+              <a:ext uri="{FF2B5EF4-FFF2-40B4-BE49-F238E27FC236}">
+                <a16:creationId xmlns:a16="http://schemas.microsoft.com/office/drawing/2014/main" id="{0E392F1B-327A-C84B-BFCB-1482D263A430}"/>
+              </a:ext>
+            </a:extLst>
+          </p:cNvPr>
+          <p:cNvSpPr>
+            <a:spLocks noGrp="1"/>
+          </p:cNvSpPr>
+          <p:nvPr>
+            <p:ph type="title"/>
+          </p:nvPr>
+        </p:nvSpPr>
+        <p:spPr/>
+        <p:txBody>
+          <a:bodyPr/>
+          <a:lstStyle/>
+          <a:p>
+            <a:r>
+              <a:rPr lang="en-SI" dirty="0"/>
+              <a:t>Spark Use-Cases</a:t>
+            </a:r>
+          </a:p>
+        </p:txBody>
+      </p:sp>
+      <p:sp>
+        <p:nvSpPr>
+          <p:cNvPr id="3" name="Content Placeholder 2">
+            <a:extLst>
+              <a:ext uri="{FF2B5EF4-FFF2-40B4-BE49-F238E27FC236}">
+                <a16:creationId xmlns:a16="http://schemas.microsoft.com/office/drawing/2014/main" id="{5F09DF95-C94A-FA40-87E6-3CFD5E83F426}"/>
+              </a:ext>
+            </a:extLst>
+          </p:cNvPr>
+          <p:cNvSpPr>
+            <a:spLocks noGrp="1"/>
+          </p:cNvSpPr>
+          <p:nvPr>
+            <p:ph idx="1"/>
+          </p:nvPr>
+        </p:nvSpPr>
+        <p:spPr>
+          <a:xfrm>
+            <a:off x="638503" y="1415722"/>
+            <a:ext cx="10515600" cy="4351338"/>
+          </a:xfrm>
+        </p:spPr>
+        <p:txBody>
+          <a:bodyPr>
+            <a:normAutofit/>
+          </a:bodyPr>
+          <a:lstStyle/>
+          <a:p>
+            <a:r>
+              <a:rPr lang="en-GB" dirty="0"/>
+              <a:t>Logs processing (Uber)</a:t>
+            </a:r>
+          </a:p>
+          <a:p>
+            <a:r>
+              <a:rPr lang="en-GB" dirty="0"/>
+              <a:t>Event detection and real-time analysis</a:t>
+            </a:r>
+          </a:p>
+          <a:p>
+            <a:r>
+              <a:rPr lang="en-GB" dirty="0"/>
+              <a:t>Advanced ad-targeting (Yahoo!) </a:t>
+            </a:r>
+          </a:p>
+          <a:p>
+            <a:pPr marL="0" indent="0">
+              <a:buNone/>
+            </a:pPr>
+            <a:br>
+              <a:rPr lang="en-GB" dirty="0"/>
+            </a:br>
+            <a:endParaRPr lang="en-GB" dirty="0">
+              <a:effectLst/>
+            </a:endParaRPr>
+          </a:p>
+          <a:p>
+            <a:endParaRPr lang="en-SI" dirty="0"/>
+          </a:p>
+        </p:txBody>
+      </p:sp>
+      <p:pic>
+        <p:nvPicPr>
+          <p:cNvPr id="5" name="Picture 4">
+            <a:extLst>
+              <a:ext uri="{FF2B5EF4-FFF2-40B4-BE49-F238E27FC236}">
+                <a16:creationId xmlns:a16="http://schemas.microsoft.com/office/drawing/2014/main" id="{3D6D797E-218D-5B49-8C35-BD466EFE2170}"/>
+              </a:ext>
+            </a:extLst>
+          </p:cNvPr>
+          <p:cNvPicPr>
+            <a:picLocks noChangeAspect="1"/>
+          </p:cNvPicPr>
+          <p:nvPr/>
+        </p:nvPicPr>
+        <p:blipFill>
+          <a:blip r:embed="rId2"/>
+          <a:stretch>
+            <a:fillRect/>
+          </a:stretch>
+        </p:blipFill>
+        <p:spPr>
+          <a:xfrm>
+            <a:off x="2938944" y="2889652"/>
+            <a:ext cx="6804145" cy="3603223"/>
+          </a:xfrm>
+          <a:prstGeom prst="rect">
+            <a:avLst/>
+          </a:prstGeom>
+        </p:spPr>
+      </p:pic>
+    </p:spTree>
+    <p:extLst>
+      <p:ext uri="{BB962C8B-B14F-4D97-AF65-F5344CB8AC3E}">
+        <p14:creationId xmlns:p14="http://schemas.microsoft.com/office/powerpoint/2010/main" val="3447839647"/>
+      </p:ext>
+    </p:extLst>
+  </p:cSld>
+  <p:clrMapOvr>
+    <a:masterClrMapping/>
+  </p:clrMapOvr>
+</p:sld>
+</file>
+
+<file path=ppt/slides/slide6.xml><?xml version="1.0" encoding="utf-8"?>
+<p:sld xmlns:a="http://schemas.openxmlformats.org/drawingml/2006/main" xmlns:r="http://schemas.openxmlformats.org/officeDocument/2006/relationships" xmlns:p="http://schemas.openxmlformats.org/presentationml/2006/main">
+  <p:cSld>
+    <p:spTree>
+      <p:nvGrpSpPr>
+        <p:cNvPr id="1" name=""/>
+        <p:cNvGrpSpPr/>
+        <p:nvPr/>
+      </p:nvGrpSpPr>
+      <p:grpSpPr>
+        <a:xfrm>
+          <a:off x="0" y="0"/>
+          <a:ext cx="0" cy="0"/>
+          <a:chOff x="0" y="0"/>
+          <a:chExt cx="0" cy="0"/>
+        </a:xfrm>
+      </p:grpSpPr>
+      <p:sp>
+        <p:nvSpPr>
+          <p:cNvPr id="2" name="Title 1">
+            <a:extLst>
+              <a:ext uri="{FF2B5EF4-FFF2-40B4-BE49-F238E27FC236}">
+                <a16:creationId xmlns:a16="http://schemas.microsoft.com/office/drawing/2014/main" id="{0E392F1B-327A-C84B-BFCB-1482D263A430}"/>
+              </a:ext>
+            </a:extLst>
+          </p:cNvPr>
+          <p:cNvSpPr>
+            <a:spLocks noGrp="1"/>
+          </p:cNvSpPr>
+          <p:nvPr>
+            <p:ph type="title"/>
+          </p:nvPr>
+        </p:nvSpPr>
+        <p:spPr/>
+        <p:txBody>
+          <a:bodyPr/>
+          <a:lstStyle/>
+          <a:p>
+            <a:r>
+              <a:rPr lang="en-SI" dirty="0"/>
+              <a:t>Spark Use-Cases</a:t>
+            </a:r>
+          </a:p>
+        </p:txBody>
+      </p:sp>
+      <p:sp>
+        <p:nvSpPr>
+          <p:cNvPr id="3" name="Content Placeholder 2">
+            <a:extLst>
+              <a:ext uri="{FF2B5EF4-FFF2-40B4-BE49-F238E27FC236}">
+                <a16:creationId xmlns:a16="http://schemas.microsoft.com/office/drawing/2014/main" id="{5F09DF95-C94A-FA40-87E6-3CFD5E83F426}"/>
+              </a:ext>
+            </a:extLst>
+          </p:cNvPr>
+          <p:cNvSpPr>
+            <a:spLocks noGrp="1"/>
+          </p:cNvSpPr>
+          <p:nvPr>
+            <p:ph idx="1"/>
+          </p:nvPr>
+        </p:nvSpPr>
+        <p:spPr/>
+        <p:txBody>
+          <a:bodyPr>
+            <a:normAutofit lnSpcReduction="10000"/>
+          </a:bodyPr>
+          <a:lstStyle/>
+          <a:p>
+            <a:r>
+              <a:rPr lang="en-GB" dirty="0"/>
+              <a:t>Logs processing (Uber)</a:t>
+            </a:r>
+          </a:p>
+          <a:p>
+            <a:r>
+              <a:rPr lang="en-GB" dirty="0"/>
+              <a:t>Event detection and real-time analysis</a:t>
+            </a:r>
+          </a:p>
+          <a:p>
+            <a:r>
+              <a:rPr lang="en-GB" dirty="0"/>
+              <a:t> Interactive analysis</a:t>
+            </a:r>
+          </a:p>
+          <a:p>
+            <a:r>
+              <a:rPr lang="en-GB" dirty="0"/>
+              <a:t>Latency reduction</a:t>
+            </a:r>
+          </a:p>
+          <a:p>
+            <a:r>
+              <a:rPr lang="en-GB" dirty="0"/>
+              <a:t>Advanced ad-targeting (Yahoo!) </a:t>
+            </a:r>
+          </a:p>
+          <a:p>
+            <a:r>
+              <a:rPr lang="en-GB" dirty="0"/>
+              <a:t>Recommendation systems (Netflix, Pinterest) </a:t>
+            </a:r>
+          </a:p>
+          <a:p>
+            <a:r>
+              <a:rPr lang="en-GB" dirty="0"/>
+              <a:t>Fraud detection</a:t>
+            </a:r>
+          </a:p>
+          <a:p>
+            <a:r>
+              <a:rPr lang="en-GB" dirty="0"/>
+              <a:t>Sentiment analysis (Twitter)</a:t>
+            </a:r>
+            <a:br>
+              <a:rPr lang="en-GB" dirty="0"/>
+            </a:br>
+            <a:endParaRPr lang="en-GB" dirty="0">
+              <a:effectLst/>
+            </a:endParaRPr>
+          </a:p>
+          <a:p>
+            <a:endParaRPr lang="en-SI" dirty="0"/>
+          </a:p>
+        </p:txBody>
+      </p:sp>
+      <p:pic>
+        <p:nvPicPr>
+          <p:cNvPr id="4" name="Picture 3">
+            <a:extLst>
+              <a:ext uri="{FF2B5EF4-FFF2-40B4-BE49-F238E27FC236}">
+                <a16:creationId xmlns:a16="http://schemas.microsoft.com/office/drawing/2014/main" id="{A926EC52-0E0F-4344-AAAD-D6FF8B4BD0F7}"/>
+              </a:ext>
+            </a:extLst>
+          </p:cNvPr>
+          <p:cNvPicPr>
+            <a:picLocks noChangeAspect="1"/>
+          </p:cNvPicPr>
+          <p:nvPr/>
+        </p:nvPicPr>
+        <p:blipFill>
+          <a:blip r:embed="rId2"/>
+          <a:stretch>
+            <a:fillRect/>
+          </a:stretch>
+        </p:blipFill>
+        <p:spPr>
+          <a:xfrm>
+            <a:off x="7138491" y="1060793"/>
+            <a:ext cx="4515304" cy="2368207"/>
+          </a:xfrm>
+          <a:prstGeom prst="rect">
+            <a:avLst/>
+          </a:prstGeom>
+        </p:spPr>
+      </p:pic>
+    </p:spTree>
+    <p:extLst>
+      <p:ext uri="{BB962C8B-B14F-4D97-AF65-F5344CB8AC3E}">
+        <p14:creationId xmlns:p14="http://schemas.microsoft.com/office/powerpoint/2010/main" val="1775281413"/>
+      </p:ext>
+    </p:extLst>
+  </p:cSld>
+  <p:clrMapOvr>
+    <a:masterClrMapping/>
+  </p:clrMapOvr>
+</p:sld>
+</file>
+
+<file path=ppt/slides/slide7.xml><?xml version="1.0" encoding="utf-8"?>
+<p:sld xmlns:a="http://schemas.openxmlformats.org/drawingml/2006/main" xmlns:r="http://schemas.openxmlformats.org/officeDocument/2006/relationships" xmlns:p="http://schemas.openxmlformats.org/presentationml/2006/main">
+  <p:cSld>
+    <p:spTree>
+      <p:nvGrpSpPr>
+        <p:cNvPr id="1" name=""/>
+        <p:cNvGrpSpPr/>
+        <p:nvPr/>
+      </p:nvGrpSpPr>
+      <p:grpSpPr>
+        <a:xfrm>
+          <a:off x="0" y="0"/>
+          <a:ext cx="0" cy="0"/>
+          <a:chOff x="0" y="0"/>
+          <a:chExt cx="0" cy="0"/>
+        </a:xfrm>
+      </p:grpSpPr>
+      <p:sp>
+        <p:nvSpPr>
+          <p:cNvPr id="2" name="Title 1">
+            <a:extLst>
+              <a:ext uri="{FF2B5EF4-FFF2-40B4-BE49-F238E27FC236}">
+                <a16:creationId xmlns:a16="http://schemas.microsoft.com/office/drawing/2014/main" id="{0E392F1B-327A-C84B-BFCB-1482D263A430}"/>
+              </a:ext>
+            </a:extLst>
+          </p:cNvPr>
+          <p:cNvSpPr>
+            <a:spLocks noGrp="1"/>
+          </p:cNvSpPr>
+          <p:nvPr>
+            <p:ph type="title"/>
+          </p:nvPr>
+        </p:nvSpPr>
+        <p:spPr/>
+        <p:txBody>
+          <a:bodyPr/>
+          <a:lstStyle/>
+          <a:p>
+            <a:r>
+              <a:rPr lang="en-SI" dirty="0"/>
+              <a:t>Spark Use-Cases</a:t>
+            </a:r>
+          </a:p>
+        </p:txBody>
+      </p:sp>
+      <p:sp>
+        <p:nvSpPr>
+          <p:cNvPr id="3" name="Content Placeholder 2">
+            <a:extLst>
+              <a:ext uri="{FF2B5EF4-FFF2-40B4-BE49-F238E27FC236}">
+                <a16:creationId xmlns:a16="http://schemas.microsoft.com/office/drawing/2014/main" id="{5F09DF95-C94A-FA40-87E6-3CFD5E83F426}"/>
+              </a:ext>
+            </a:extLst>
+          </p:cNvPr>
+          <p:cNvSpPr>
+            <a:spLocks noGrp="1"/>
+          </p:cNvSpPr>
+          <p:nvPr>
+            <p:ph idx="1"/>
+          </p:nvPr>
+        </p:nvSpPr>
+        <p:spPr/>
+        <p:txBody>
+          <a:bodyPr>
+            <a:normAutofit/>
+          </a:bodyPr>
+          <a:lstStyle/>
+          <a:p>
+            <a:r>
+              <a:rPr lang="en-GB" dirty="0"/>
+              <a:t>Recommendation systems (Netflix, Pinterest) </a:t>
+            </a:r>
+          </a:p>
+          <a:p>
+            <a:r>
+              <a:rPr lang="en-GB" dirty="0"/>
+              <a:t>Fraud detection</a:t>
+            </a:r>
+          </a:p>
+          <a:p>
+            <a:r>
+              <a:rPr lang="en-GB" dirty="0"/>
+              <a:t>Sentiment analysis (Twitter)</a:t>
+            </a:r>
+            <a:br>
+              <a:rPr lang="en-GB" dirty="0"/>
+            </a:br>
+            <a:endParaRPr lang="en-GB" dirty="0">
+              <a:effectLst/>
+            </a:endParaRPr>
+          </a:p>
+          <a:p>
+            <a:endParaRPr lang="en-SI" dirty="0"/>
+          </a:p>
+        </p:txBody>
+      </p:sp>
+      <p:pic>
+        <p:nvPicPr>
+          <p:cNvPr id="5" name="Picture 4">
+            <a:extLst>
+              <a:ext uri="{FF2B5EF4-FFF2-40B4-BE49-F238E27FC236}">
+                <a16:creationId xmlns:a16="http://schemas.microsoft.com/office/drawing/2014/main" id="{99CDEFB7-280C-1649-9A2C-1535B708B7BB}"/>
+              </a:ext>
+            </a:extLst>
+          </p:cNvPr>
+          <p:cNvPicPr>
+            <a:picLocks noChangeAspect="1"/>
+          </p:cNvPicPr>
+          <p:nvPr/>
+        </p:nvPicPr>
+        <p:blipFill>
+          <a:blip r:embed="rId2"/>
+          <a:stretch>
+            <a:fillRect/>
+          </a:stretch>
+        </p:blipFill>
+        <p:spPr>
+          <a:xfrm>
+            <a:off x="1893810" y="2437393"/>
+            <a:ext cx="9100011" cy="3127801"/>
+          </a:xfrm>
+          <a:prstGeom prst="rect">
+            <a:avLst/>
+          </a:prstGeom>
+        </p:spPr>
+      </p:pic>
+    </p:spTree>
+    <p:extLst>
+      <p:ext uri="{BB962C8B-B14F-4D97-AF65-F5344CB8AC3E}">
+        <p14:creationId xmlns:p14="http://schemas.microsoft.com/office/powerpoint/2010/main" val="1689576208"/>
+      </p:ext>
+    </p:extLst>
+  </p:cSld>
+  <p:clrMapOvr>
+    <a:masterClrMapping/>
+  </p:clrMapOvr>
+</p:sld>
+</file>
+
+<file path=ppt/slides/slide8.xml><?xml version="1.0" encoding="utf-8"?>
+<p:sld xmlns:a="http://schemas.openxmlformats.org/drawingml/2006/main" xmlns:r="http://schemas.openxmlformats.org/officeDocument/2006/relationships" xmlns:p="http://schemas.openxmlformats.org/presentationml/2006/main">
+  <p:cSld>
+    <p:spTree>
+      <p:nvGrpSpPr>
+        <p:cNvPr id="1" name=""/>
+        <p:cNvGrpSpPr/>
+        <p:nvPr/>
+      </p:nvGrpSpPr>
+      <p:grpSpPr>
+        <a:xfrm>
+          <a:off x="0" y="0"/>
+          <a:ext cx="0" cy="0"/>
+          <a:chOff x="0" y="0"/>
+          <a:chExt cx="0" cy="0"/>
+        </a:xfrm>
+      </p:grpSpPr>
+      <p:sp>
+        <p:nvSpPr>
+          <p:cNvPr id="2" name="Title 1">
+            <a:extLst>
+              <a:ext uri="{FF2B5EF4-FFF2-40B4-BE49-F238E27FC236}">
+                <a16:creationId xmlns:a16="http://schemas.microsoft.com/office/drawing/2014/main" id="{0E392F1B-327A-C84B-BFCB-1482D263A430}"/>
+              </a:ext>
+            </a:extLst>
+          </p:cNvPr>
+          <p:cNvSpPr>
+            <a:spLocks noGrp="1"/>
+          </p:cNvSpPr>
+          <p:nvPr>
+            <p:ph type="title"/>
+          </p:nvPr>
+        </p:nvSpPr>
+        <p:spPr/>
+        <p:txBody>
+          <a:bodyPr/>
+          <a:lstStyle/>
+          <a:p>
+            <a:r>
+              <a:rPr lang="en-SI" dirty="0"/>
+              <a:t>Spark Use-Cases</a:t>
+            </a:r>
+          </a:p>
+        </p:txBody>
+      </p:sp>
+      <p:sp>
+        <p:nvSpPr>
+          <p:cNvPr id="3" name="Content Placeholder 2">
+            <a:extLst>
+              <a:ext uri="{FF2B5EF4-FFF2-40B4-BE49-F238E27FC236}">
+                <a16:creationId xmlns:a16="http://schemas.microsoft.com/office/drawing/2014/main" id="{5F09DF95-C94A-FA40-87E6-3CFD5E83F426}"/>
+              </a:ext>
+            </a:extLst>
+          </p:cNvPr>
+          <p:cNvSpPr>
+            <a:spLocks noGrp="1"/>
+          </p:cNvSpPr>
+          <p:nvPr>
+            <p:ph idx="1"/>
+          </p:nvPr>
+        </p:nvSpPr>
+        <p:spPr/>
+        <p:txBody>
+          <a:bodyPr>
+            <a:normAutofit/>
+          </a:bodyPr>
+          <a:lstStyle/>
+          <a:p>
+            <a:r>
+              <a:rPr lang="en-GB" dirty="0"/>
+              <a:t>Sentiment analysis (Twitter)</a:t>
+            </a:r>
+            <a:br>
+              <a:rPr lang="en-GB" dirty="0"/>
+            </a:br>
+            <a:endParaRPr lang="en-GB" dirty="0">
+              <a:effectLst/>
+            </a:endParaRPr>
+          </a:p>
+          <a:p>
+            <a:endParaRPr lang="en-SI" dirty="0"/>
+          </a:p>
+        </p:txBody>
+      </p:sp>
+      <p:pic>
+        <p:nvPicPr>
+          <p:cNvPr id="4" name="Picture 3">
+            <a:extLst>
+              <a:ext uri="{FF2B5EF4-FFF2-40B4-BE49-F238E27FC236}">
+                <a16:creationId xmlns:a16="http://schemas.microsoft.com/office/drawing/2014/main" id="{594ACB37-7254-0743-91D6-1D3D84103FA5}"/>
+              </a:ext>
+            </a:extLst>
+          </p:cNvPr>
+          <p:cNvPicPr>
+            <a:picLocks noChangeAspect="1"/>
+          </p:cNvPicPr>
+          <p:nvPr/>
+        </p:nvPicPr>
+        <p:blipFill>
+          <a:blip r:embed="rId2"/>
+          <a:stretch>
+            <a:fillRect/>
+          </a:stretch>
+        </p:blipFill>
+        <p:spPr>
+          <a:xfrm>
+            <a:off x="1545021" y="2293425"/>
+            <a:ext cx="8618483" cy="4564575"/>
+          </a:xfrm>
+          <a:prstGeom prst="rect">
+            <a:avLst/>
+          </a:prstGeom>
+        </p:spPr>
+      </p:pic>
+    </p:spTree>
+    <p:extLst>
+      <p:ext uri="{BB962C8B-B14F-4D97-AF65-F5344CB8AC3E}">
+        <p14:creationId xmlns:p14="http://schemas.microsoft.com/office/powerpoint/2010/main" val="2366993399"/>
+      </p:ext>
+    </p:extLst>
+  </p:cSld>
+  <p:clrMapOvr>
+    <a:masterClrMapping/>
+  </p:clrMapOvr>
+</p:sld>
+</file>
+
+<file path=ppt/slides/slide9.xml><?xml version="1.0" encoding="utf-8"?>
+<p:sld xmlns:a="http://schemas.openxmlformats.org/drawingml/2006/main" xmlns:r="http://schemas.openxmlformats.org/officeDocument/2006/relationships" xmlns:p="http://schemas.openxmlformats.org/presentationml/2006/main">
+  <p:cSld>
+    <p:spTree>
+      <p:nvGrpSpPr>
+        <p:cNvPr id="1" name=""/>
+        <p:cNvGrpSpPr/>
+        <p:nvPr/>
+      </p:nvGrpSpPr>
+      <p:grpSpPr>
+        <a:xfrm>
+          <a:off x="0" y="0"/>
+          <a:ext cx="0" cy="0"/>
+          <a:chOff x="0" y="0"/>
+          <a:chExt cx="0" cy="0"/>
+        </a:xfrm>
+      </p:grpSpPr>
+      <p:sp>
+        <p:nvSpPr>
+          <p:cNvPr id="2" name="Title 1">
+            <a:extLst>
+              <a:ext uri="{FF2B5EF4-FFF2-40B4-BE49-F238E27FC236}">
+                <a16:creationId xmlns:a16="http://schemas.microsoft.com/office/drawing/2014/main" id="{0FC22EF3-AD5D-3540-BC78-A00BAABF8FCD}"/>
+              </a:ext>
+            </a:extLst>
+          </p:cNvPr>
+          <p:cNvSpPr>
+            <a:spLocks noGrp="1"/>
+          </p:cNvSpPr>
+          <p:nvPr>
+            <p:ph type="title"/>
+          </p:nvPr>
+        </p:nvSpPr>
+        <p:spPr/>
+        <p:txBody>
+          <a:bodyPr/>
+          <a:lstStyle/>
+          <a:p>
+            <a:r>
+              <a:rPr lang="en-SI" dirty="0"/>
+              <a:t>Apache Spark “real-time”</a:t>
+            </a:r>
+          </a:p>
+        </p:txBody>
+      </p:sp>
+      <p:sp>
+        <p:nvSpPr>
+          <p:cNvPr id="3" name="Content Placeholder 2">
+            <a:extLst>
+              <a:ext uri="{FF2B5EF4-FFF2-40B4-BE49-F238E27FC236}">
+                <a16:creationId xmlns:a16="http://schemas.microsoft.com/office/drawing/2014/main" id="{CFC62298-7F9D-4443-9B52-DF8F34BADD05}"/>
+              </a:ext>
+            </a:extLst>
+          </p:cNvPr>
+          <p:cNvSpPr>
+            <a:spLocks noGrp="1"/>
+          </p:cNvSpPr>
+          <p:nvPr>
+            <p:ph idx="1"/>
+          </p:nvPr>
+        </p:nvSpPr>
+        <p:spPr/>
+        <p:txBody>
+          <a:bodyPr/>
+          <a:lstStyle/>
+          <a:p>
+            <a:r>
+              <a:rPr lang="en-GB" dirty="0"/>
+              <a:t>Apache </a:t>
+            </a:r>
+            <a:r>
+              <a:rPr lang="en-GB" dirty="0" err="1"/>
+              <a:t>Samza</a:t>
+            </a:r>
+            <a:r>
+              <a:rPr lang="en-GB" dirty="0"/>
+              <a:t> (library/framework)</a:t>
+            </a:r>
+          </a:p>
+          <a:p>
+            <a:r>
+              <a:rPr lang="en-GB" dirty="0"/>
+              <a:t>Apache Storm (real-time stream processing)</a:t>
+            </a:r>
+          </a:p>
+          <a:p>
+            <a:r>
+              <a:rPr lang="en-GB" dirty="0"/>
+              <a:t>Apache </a:t>
+            </a:r>
+            <a:r>
+              <a:rPr lang="en-GB" dirty="0" err="1"/>
+              <a:t>Flink</a:t>
+            </a:r>
+            <a:r>
+              <a:rPr lang="en-GB" dirty="0"/>
+              <a:t> (native streaming support for all workloads) </a:t>
+            </a:r>
+            <a:endParaRPr lang="en-GB" dirty="0">
+              <a:effectLst/>
+            </a:endParaRPr>
+          </a:p>
+          <a:p>
+            <a:endParaRPr lang="en-SI" dirty="0"/>
+          </a:p>
+        </p:txBody>
+      </p:sp>
+      <p:pic>
+        <p:nvPicPr>
+          <p:cNvPr id="4" name="Picture 3">
+            <a:extLst>
+              <a:ext uri="{FF2B5EF4-FFF2-40B4-BE49-F238E27FC236}">
+                <a16:creationId xmlns:a16="http://schemas.microsoft.com/office/drawing/2014/main" id="{0B9DD196-DFEE-054B-BC09-A043D15A22C5}"/>
+              </a:ext>
+            </a:extLst>
+          </p:cNvPr>
+          <p:cNvPicPr>
+            <a:picLocks noChangeAspect="1"/>
+          </p:cNvPicPr>
+          <p:nvPr/>
+        </p:nvPicPr>
+        <p:blipFill>
+          <a:blip r:embed="rId2"/>
+          <a:stretch>
+            <a:fillRect/>
+          </a:stretch>
+        </p:blipFill>
+        <p:spPr>
+          <a:xfrm>
+            <a:off x="838200" y="3264501"/>
+            <a:ext cx="6456748" cy="3228374"/>
+          </a:xfrm>
+          <a:prstGeom prst="rect">
+            <a:avLst/>
+          </a:prstGeom>
+        </p:spPr>
+      </p:pic>
+      <p:pic>
+        <p:nvPicPr>
+          <p:cNvPr id="5" name="Picture 4">
+            <a:extLst>
+              <a:ext uri="{FF2B5EF4-FFF2-40B4-BE49-F238E27FC236}">
+                <a16:creationId xmlns:a16="http://schemas.microsoft.com/office/drawing/2014/main" id="{BEC2BEC9-A4BA-674D-B347-C16417B67B97}"/>
+              </a:ext>
+            </a:extLst>
+          </p:cNvPr>
+          <p:cNvPicPr>
+            <a:picLocks noChangeAspect="1"/>
+          </p:cNvPicPr>
+          <p:nvPr/>
+        </p:nvPicPr>
+        <p:blipFill>
+          <a:blip r:embed="rId3"/>
+          <a:stretch>
+            <a:fillRect/>
+          </a:stretch>
+        </p:blipFill>
+        <p:spPr>
+          <a:xfrm>
+            <a:off x="7648832" y="365125"/>
+            <a:ext cx="4182247" cy="2357144"/>
+          </a:xfrm>
+          <a:prstGeom prst="rect">
+            <a:avLst/>
+          </a:prstGeom>
+        </p:spPr>
+      </p:pic>
+      <p:pic>
+        <p:nvPicPr>
+          <p:cNvPr id="6" name="Picture 5">
+            <a:extLst>
+              <a:ext uri="{FF2B5EF4-FFF2-40B4-BE49-F238E27FC236}">
+                <a16:creationId xmlns:a16="http://schemas.microsoft.com/office/drawing/2014/main" id="{AE45E439-786B-6D45-A340-D88C7193CFF7}"/>
+              </a:ext>
+            </a:extLst>
+          </p:cNvPr>
+          <p:cNvPicPr>
+            <a:picLocks noChangeAspect="1"/>
+          </p:cNvPicPr>
+          <p:nvPr/>
+        </p:nvPicPr>
+        <p:blipFill>
+          <a:blip r:embed="rId4"/>
+          <a:stretch>
+            <a:fillRect/>
+          </a:stretch>
+        </p:blipFill>
+        <p:spPr>
+          <a:xfrm>
+            <a:off x="6682259" y="3660160"/>
+            <a:ext cx="5284230" cy="2437055"/>
+          </a:xfrm>
+          <a:prstGeom prst="rect">
+            <a:avLst/>
+          </a:prstGeom>
+        </p:spPr>
+      </p:pic>
+    </p:spTree>
+    <p:extLst>
+      <p:ext uri="{BB962C8B-B14F-4D97-AF65-F5344CB8AC3E}">
+        <p14:creationId xmlns:p14="http://schemas.microsoft.com/office/powerpoint/2010/main" val="2077619116"/>
       </p:ext>
     </p:extLst>
   </p:cSld>
